--- a/abgaben/gruppe_seiser/DAM_Seiser.pptx
+++ b/abgaben/gruppe_seiser/DAM_Seiser.pptx
@@ -5360,11 +5360,7 @@
           <a:p>
             <a:r>
               <a:rPr lang="de-DE" sz="3200" b="1" dirty="0" smtClean="0"/>
-              <a:t>BEZIRK </a:t>
-            </a:r>
-            <a:r>
-              <a:rPr lang="de-DE" sz="3200" b="1" dirty="0" smtClean="0"/>
-              <a:t>LIEZEN</a:t>
+              <a:t>BEZIRK LIEZEN</a:t>
             </a:r>
           </a:p>
           <a:p>
@@ -5386,6 +5382,13 @@
   <p:clrMapOvr>
     <a:masterClrMapping/>
   </p:clrMapOvr>
+  <p:timing>
+    <p:tnLst>
+      <p:par>
+        <p:cTn id="1" dur="indefinite" restart="never" nodeType="tmRoot"/>
+      </p:par>
+    </p:tnLst>
+  </p:timing>
 </p:sld>
 </file>
 
@@ -5473,6 +5476,13 @@
   <p:clrMapOvr>
     <a:masterClrMapping/>
   </p:clrMapOvr>
+  <p:timing>
+    <p:tnLst>
+      <p:par>
+        <p:cTn id="1" dur="indefinite" restart="never" nodeType="tmRoot"/>
+      </p:par>
+    </p:tnLst>
+  </p:timing>
 </p:sld>
 </file>
 
@@ -5561,6 +5571,13 @@
   <p:clrMapOvr>
     <a:masterClrMapping/>
   </p:clrMapOvr>
+  <p:timing>
+    <p:tnLst>
+      <p:par>
+        <p:cTn id="1" dur="indefinite" restart="never" nodeType="tmRoot"/>
+      </p:par>
+    </p:tnLst>
+  </p:timing>
 </p:sld>
 </file>
 
@@ -5620,6 +5637,13 @@
   <p:clrMapOvr>
     <a:masterClrMapping/>
   </p:clrMapOvr>
+  <p:timing>
+    <p:tnLst>
+      <p:par>
+        <p:cTn id="1" dur="indefinite" restart="never" nodeType="tmRoot"/>
+      </p:par>
+    </p:tnLst>
+  </p:timing>
 </p:sld>
 </file>
 
@@ -5686,8 +5710,41 @@
                   <a:schemeClr val="tx1"/>
                 </a:solidFill>
               </a:rPr>
-              <a:t>Journalistische Auswertungen von Wahlergebnissen</a:t>
-            </a:r>
+              <a:t>Journalistische Auswertungen von </a:t>
+            </a:r>
+            <a:r>
+              <a:rPr lang="de-DE" sz="2400" dirty="0" smtClean="0">
+                <a:solidFill>
+                  <a:schemeClr val="tx1"/>
+                </a:solidFill>
+              </a:rPr>
+              <a:t>Wahlergebnissen</a:t>
+            </a:r>
+          </a:p>
+          <a:p>
+            <a:r>
+              <a:rPr lang="de-DE" sz="2400" dirty="0" smtClean="0">
+                <a:solidFill>
+                  <a:schemeClr val="tx1"/>
+                </a:solidFill>
+              </a:rPr>
+              <a:t>Vergleich von absoluten und relativen Werten</a:t>
+            </a:r>
+          </a:p>
+          <a:p>
+            <a:r>
+              <a:rPr lang="de-DE" sz="2400" dirty="0" smtClean="0">
+                <a:solidFill>
+                  <a:schemeClr val="tx1"/>
+                </a:solidFill>
+              </a:rPr>
+              <a:t>Weiterführende Daten (Bildung, Altersverteilung/Region)</a:t>
+            </a:r>
+            <a:endParaRPr lang="de-DE" sz="2400" dirty="0" smtClean="0">
+              <a:solidFill>
+                <a:schemeClr val="tx1"/>
+              </a:solidFill>
+            </a:endParaRPr>
           </a:p>
           <a:p>
             <a:endParaRPr lang="de-DE" dirty="0"/>
@@ -5704,6 +5761,13 @@
   <p:clrMapOvr>
     <a:masterClrMapping/>
   </p:clrMapOvr>
+  <p:timing>
+    <p:tnLst>
+      <p:par>
+        <p:cTn id="1" dur="indefinite" restart="never" nodeType="tmRoot"/>
+      </p:par>
+    </p:tnLst>
+  </p:timing>
 </p:sld>
 </file>
 
